--- a/Documents officiels/Présentation hackathon 2014.pptx
+++ b/Documents officiels/Présentation hackathon 2014.pptx
@@ -10,7 +10,8 @@
     <p:sldId id="264" r:id="rId4"/>
     <p:sldId id="261" r:id="rId5"/>
     <p:sldId id="265" r:id="rId6"/>
-    <p:sldId id="266" r:id="rId7"/>
+    <p:sldId id="267" r:id="rId7"/>
+    <p:sldId id="266" r:id="rId8"/>
   </p:sldIdLst>
   <p:sldSz cx="9144000" cy="6858000" type="screen4x3"/>
   <p:notesSz cx="7010400" cy="9296400"/>
@@ -12266,17 +12267,61 @@
           <a:lstStyle/>
           <a:p>
             <a:r>
-              <a:rPr lang="fr-CA" dirty="0" smtClean="0"/>
-              <a:t> Jeu de données standardisés </a:t>
+              <a:rPr lang="fr-CA" dirty="0">
+                <a:solidFill>
+                  <a:schemeClr val="accent5">
+                    <a:lumMod val="50000"/>
+                  </a:schemeClr>
+                </a:solidFill>
+              </a:rPr>
+              <a:t>D</a:t>
+            </a:r>
+            <a:r>
+              <a:rPr lang="fr-CA" dirty="0" smtClean="0">
+                <a:solidFill>
+                  <a:schemeClr val="accent5">
+                    <a:lumMod val="50000"/>
+                  </a:schemeClr>
+                </a:solidFill>
+              </a:rPr>
+              <a:t>onnées standardisées</a:t>
             </a:r>
             <a:br>
-              <a:rPr lang="fr-CA" dirty="0" smtClean="0"/>
+              <a:rPr lang="fr-CA" dirty="0" smtClean="0">
+                <a:solidFill>
+                  <a:schemeClr val="accent5">
+                    <a:lumMod val="50000"/>
+                  </a:schemeClr>
+                </a:solidFill>
+              </a:rPr>
             </a:br>
             <a:r>
-              <a:rPr lang="fr-CA" dirty="0" smtClean="0"/>
-              <a:t>– Ville de Québec</a:t>
-            </a:r>
-            <a:endParaRPr lang="fr-CA" dirty="0"/>
+              <a:rPr lang="fr-CA" dirty="0" smtClean="0">
+                <a:solidFill>
+                  <a:schemeClr val="accent5">
+                    <a:lumMod val="50000"/>
+                  </a:schemeClr>
+                </a:solidFill>
+              </a:rPr>
+              <a:t>Ville de Québec</a:t>
+            </a:r>
+            <a:r>
+              <a:rPr lang="fr-CA" dirty="0" smtClean="0">
+                <a:solidFill>
+                  <a:schemeClr val="accent5">
+                    <a:lumMod val="50000"/>
+                  </a:schemeClr>
+                </a:solidFill>
+              </a:rPr>
+              <a:t> </a:t>
+            </a:r>
+            <a:endParaRPr lang="fr-CA" dirty="0">
+              <a:solidFill>
+                <a:schemeClr val="accent5">
+                  <a:lumMod val="50000"/>
+                </a:schemeClr>
+              </a:solidFill>
+            </a:endParaRPr>
           </a:p>
         </p:txBody>
       </p:sp>
@@ -12311,7 +12356,20 @@
                 <a:ea typeface="ＭＳ Ｐゴシック" pitchFamily="34" charset="-128"/>
                 <a:cs typeface="Arial" panose="020B0604020202020204" pitchFamily="34" charset="0"/>
               </a:rPr>
-              <a:t>Évènements :</a:t>
+              <a:t>Évènements</a:t>
+            </a:r>
+            <a:r>
+              <a:rPr lang="fr-CA" sz="2000" dirty="0">
+                <a:solidFill>
+                  <a:schemeClr val="accent5">
+                    <a:lumMod val="50000"/>
+                  </a:schemeClr>
+                </a:solidFill>
+                <a:latin typeface="Arial" panose="020B0604020202020204" pitchFamily="34" charset="0"/>
+                <a:ea typeface="ＭＳ Ｐゴシック" pitchFamily="34" charset="-128"/>
+                <a:cs typeface="Arial" panose="020B0604020202020204" pitchFamily="34" charset="0"/>
+              </a:rPr>
+              <a:t> :</a:t>
             </a:r>
           </a:p>
           <a:p>
@@ -12322,15 +12380,9 @@
               <a:rPr lang="fr-CA" sz="2400" u="sng" dirty="0" smtClean="0">
                 <a:hlinkClick r:id="rId2"/>
               </a:rPr>
-              <a:t>http</a:t>
-            </a:r>
-            <a:r>
-              <a:rPr lang="fr-CA" sz="2400" u="sng" dirty="0">
-                <a:hlinkClick r:id="rId2"/>
-              </a:rPr>
-              <a:t>://donnees.ville.quebec.qc.ca/donne_details.aspx?jdid=69</a:t>
-            </a:r>
-            <a:endParaRPr lang="fr-CA" sz="2400" dirty="0"/>
+              <a:t>http://donnees.ville.quebec.qc.ca/donne_details.aspx?jdid=69</a:t>
+            </a:r>
+            <a:endParaRPr lang="fr-CA" sz="2400" dirty="0" smtClean="0"/>
           </a:p>
           <a:p>
             <a:pPr marL="0" indent="0">
@@ -12467,23 +12519,444 @@
         <p:spPr/>
         <p:txBody>
           <a:bodyPr>
+            <a:normAutofit fontScale="90000"/>
+          </a:bodyPr>
+          <a:lstStyle/>
+          <a:p>
+            <a:r>
+              <a:rPr lang="en-US" dirty="0" err="1">
+                <a:solidFill>
+                  <a:srgbClr val="215968"/>
+                </a:solidFill>
+              </a:rPr>
+              <a:t>D</a:t>
+            </a:r>
+            <a:r>
+              <a:rPr lang="en-US" dirty="0" err="1" smtClean="0">
+                <a:solidFill>
+                  <a:srgbClr val="215968"/>
+                </a:solidFill>
+              </a:rPr>
+              <a:t>onnées</a:t>
+            </a:r>
+            <a:r>
+              <a:rPr lang="en-US" dirty="0" smtClean="0">
+                <a:solidFill>
+                  <a:srgbClr val="215968"/>
+                </a:solidFill>
+              </a:rPr>
+              <a:t> </a:t>
+            </a:r>
+            <a:r>
+              <a:rPr lang="en-US" dirty="0" err="1" smtClean="0">
+                <a:solidFill>
+                  <a:srgbClr val="215968"/>
+                </a:solidFill>
+              </a:rPr>
+              <a:t>standardisées</a:t>
+            </a:r>
+            <a:r>
+              <a:rPr lang="en-US" dirty="0" smtClean="0">
+                <a:solidFill>
+                  <a:srgbClr val="215968"/>
+                </a:solidFill>
+              </a:rPr>
+              <a:t> des </a:t>
+            </a:r>
+            <a:r>
+              <a:rPr lang="en-US" dirty="0" err="1" smtClean="0">
+                <a:solidFill>
+                  <a:srgbClr val="215968"/>
+                </a:solidFill>
+              </a:rPr>
+              <a:t>autres</a:t>
+            </a:r>
+            <a:r>
+              <a:rPr lang="en-US" dirty="0" smtClean="0">
+                <a:solidFill>
+                  <a:srgbClr val="215968"/>
+                </a:solidFill>
+              </a:rPr>
+              <a:t> </a:t>
+            </a:r>
+            <a:r>
+              <a:rPr lang="en-US" dirty="0" err="1" smtClean="0">
+                <a:solidFill>
+                  <a:srgbClr val="215968"/>
+                </a:solidFill>
+              </a:rPr>
+              <a:t>villes</a:t>
+            </a:r>
+            <a:r>
+              <a:rPr lang="en-US" dirty="0" smtClean="0">
+                <a:solidFill>
+                  <a:srgbClr val="215968"/>
+                </a:solidFill>
+              </a:rPr>
+              <a:t> et du </a:t>
+            </a:r>
+            <a:r>
+              <a:rPr lang="en-US" dirty="0" err="1" smtClean="0">
+                <a:solidFill>
+                  <a:srgbClr val="215968"/>
+                </a:solidFill>
+              </a:rPr>
+              <a:t>gouvernement</a:t>
+            </a:r>
+            <a:r>
+              <a:rPr lang="en-US" dirty="0" smtClean="0">
+                <a:solidFill>
+                  <a:srgbClr val="215968"/>
+                </a:solidFill>
+              </a:rPr>
+              <a:t> du Québec</a:t>
+            </a:r>
+            <a:endParaRPr lang="en-US" dirty="0">
+              <a:solidFill>
+                <a:srgbClr val="215968"/>
+              </a:solidFill>
+            </a:endParaRPr>
+          </a:p>
+        </p:txBody>
+      </p:sp>
+      <p:sp>
+        <p:nvSpPr>
+          <p:cNvPr id="3" name="Content Placeholder 2"/>
+          <p:cNvSpPr>
+            <a:spLocks noGrp="1"/>
+          </p:cNvSpPr>
+          <p:nvPr>
+            <p:ph idx="1"/>
+          </p:nvPr>
+        </p:nvSpPr>
+        <p:spPr/>
+        <p:txBody>
+          <a:bodyPr>
+            <a:noAutofit/>
+          </a:bodyPr>
+          <a:lstStyle/>
+          <a:p>
+            <a:pPr marL="0" indent="0">
+              <a:buNone/>
+            </a:pPr>
+            <a:r>
+              <a:rPr lang="fr-FR" sz="1600" b="1" dirty="0">
+                <a:solidFill>
+                  <a:schemeClr val="accent5">
+                    <a:lumMod val="50000"/>
+                  </a:schemeClr>
+                </a:solidFill>
+              </a:rPr>
+              <a:t>Gatineau </a:t>
+            </a:r>
+            <a:r>
+              <a:rPr lang="fr-FR" sz="1600" dirty="0" smtClean="0"/>
+              <a:t>:</a:t>
+            </a:r>
+            <a:endParaRPr lang="fr-FR" sz="1600" dirty="0"/>
+          </a:p>
+          <a:p>
+            <a:pPr marL="0" indent="0">
+              <a:buNone/>
+            </a:pPr>
+            <a:r>
+              <a:rPr lang="fr-FR" sz="1600" dirty="0" smtClean="0"/>
+              <a:t>				  </a:t>
+            </a:r>
+            <a:r>
+              <a:rPr lang="fr-FR" sz="1600" dirty="0" smtClean="0">
+                <a:hlinkClick r:id="rId2"/>
+              </a:rPr>
+              <a:t>http</a:t>
+            </a:r>
+            <a:r>
+              <a:rPr lang="fr-FR" sz="1600" dirty="0">
+                <a:hlinkClick r:id="rId2"/>
+              </a:rPr>
+              <a:t>://www.gatineau.ca/donneesouvertes/fiche_metadonnees_fr.aspx?id=-</a:t>
+            </a:r>
+            <a:r>
+              <a:rPr lang="fr-FR" sz="1600" dirty="0" smtClean="0">
+                <a:hlinkClick r:id="rId2"/>
+              </a:rPr>
+              <a:t>1089578594</a:t>
+            </a:r>
+            <a:r>
+              <a:rPr lang="fr-FR" sz="1600" dirty="0" smtClean="0"/>
+              <a:t> </a:t>
+            </a:r>
+            <a:endParaRPr lang="fr-FR" sz="1600" dirty="0"/>
+          </a:p>
+          <a:p>
+            <a:endParaRPr lang="fr-FR" sz="1600" dirty="0"/>
+          </a:p>
+          <a:p>
+            <a:pPr marL="0" indent="0">
+              <a:buNone/>
+            </a:pPr>
+            <a:r>
+              <a:rPr lang="fr-FR" sz="1600" b="1" dirty="0">
+                <a:solidFill>
+                  <a:schemeClr val="accent5">
+                    <a:lumMod val="50000"/>
+                  </a:schemeClr>
+                </a:solidFill>
+              </a:rPr>
+              <a:t>Montréal :</a:t>
+            </a:r>
+          </a:p>
+          <a:p>
+            <a:pPr marL="0" indent="0">
+              <a:buNone/>
+            </a:pPr>
+            <a:r>
+              <a:rPr lang="fr-FR" sz="1600" dirty="0" smtClean="0"/>
+              <a:t>	</a:t>
+            </a:r>
+            <a:r>
+              <a:rPr lang="fr-FR" sz="1600" dirty="0" smtClean="0">
+                <a:hlinkClick r:id="rId3"/>
+              </a:rPr>
+              <a:t>http</a:t>
+            </a:r>
+            <a:r>
+              <a:rPr lang="fr-FR" sz="1600" dirty="0">
+                <a:hlinkClick r:id="rId3"/>
+              </a:rPr>
+              <a:t>://</a:t>
+            </a:r>
+            <a:r>
+              <a:rPr lang="fr-FR" sz="1600" dirty="0" err="1">
+                <a:hlinkClick r:id="rId3"/>
+              </a:rPr>
+              <a:t>donnees.ville.montreal.qc.ca</a:t>
+            </a:r>
+            <a:r>
+              <a:rPr lang="fr-FR" sz="1600" dirty="0">
+                <a:hlinkClick r:id="rId3"/>
+              </a:rPr>
+              <a:t>/</a:t>
+            </a:r>
+            <a:r>
+              <a:rPr lang="fr-FR" sz="1600" dirty="0" err="1">
+                <a:hlinkClick r:id="rId3"/>
+              </a:rPr>
+              <a:t>dataset</a:t>
+            </a:r>
+            <a:r>
+              <a:rPr lang="fr-FR" sz="1600" dirty="0">
+                <a:hlinkClick r:id="rId3"/>
+              </a:rPr>
+              <a:t>/calendrier-multiculturel</a:t>
+            </a:r>
+            <a:endParaRPr lang="fr-FR" sz="1600" dirty="0"/>
+          </a:p>
+          <a:p>
+            <a:pPr marL="0" indent="0">
+              <a:buNone/>
+            </a:pPr>
+            <a:endParaRPr lang="fr-FR" sz="1600" dirty="0"/>
+          </a:p>
+          <a:p>
+            <a:pPr marL="0" indent="0">
+              <a:buNone/>
+            </a:pPr>
+            <a:r>
+              <a:rPr lang="fr-FR" sz="1600" b="1" dirty="0">
+                <a:solidFill>
+                  <a:schemeClr val="accent5">
+                    <a:lumMod val="50000"/>
+                  </a:schemeClr>
+                </a:solidFill>
+              </a:rPr>
+              <a:t>Sherbrooke </a:t>
+            </a:r>
+            <a:r>
+              <a:rPr lang="fr-FR" sz="1600" b="1" dirty="0">
+                <a:solidFill>
+                  <a:schemeClr val="accent5">
+                    <a:lumMod val="50000"/>
+                  </a:schemeClr>
+                </a:solidFill>
+              </a:rPr>
+              <a:t>:</a:t>
+            </a:r>
+            <a:endParaRPr lang="fr-FR" sz="1600" b="1" dirty="0">
+              <a:solidFill>
+                <a:schemeClr val="accent5">
+                  <a:lumMod val="50000"/>
+                </a:schemeClr>
+              </a:solidFill>
+            </a:endParaRPr>
+          </a:p>
+          <a:p>
+            <a:pPr marL="0" indent="0">
+              <a:buNone/>
+            </a:pPr>
+            <a:r>
+              <a:rPr lang="fr-FR" sz="1600" dirty="0" smtClean="0"/>
+              <a:t>	</a:t>
+            </a:r>
+            <a:r>
+              <a:rPr lang="fr-FR" sz="1600" dirty="0" smtClean="0">
+                <a:hlinkClick r:id="rId4"/>
+              </a:rPr>
+              <a:t>http</a:t>
+            </a:r>
+            <a:r>
+              <a:rPr lang="fr-FR" sz="1600" dirty="0">
+                <a:hlinkClick r:id="rId4"/>
+              </a:rPr>
+              <a:t>://donnees.ville.sherbrooke.qc.ca/group/standardisation-</a:t>
+            </a:r>
+            <a:r>
+              <a:rPr lang="fr-FR" sz="1600" dirty="0" smtClean="0">
+                <a:hlinkClick r:id="rId4"/>
+              </a:rPr>
+              <a:t>gvq</a:t>
+            </a:r>
+            <a:r>
+              <a:rPr lang="fr-FR" sz="1600" dirty="0" smtClean="0"/>
+              <a:t> </a:t>
+            </a:r>
+            <a:endParaRPr lang="fr-FR" sz="1600" dirty="0"/>
+          </a:p>
+          <a:p>
+            <a:endParaRPr lang="fr-FR" sz="1600" dirty="0"/>
+          </a:p>
+          <a:p>
+            <a:pPr marL="0" indent="0">
+              <a:buNone/>
+            </a:pPr>
+            <a:r>
+              <a:rPr lang="fr-FR" sz="1600" b="1" dirty="0">
+                <a:solidFill>
+                  <a:schemeClr val="accent5">
+                    <a:lumMod val="50000"/>
+                  </a:schemeClr>
+                </a:solidFill>
+              </a:rPr>
+              <a:t>Gouvernement du Québec </a:t>
+            </a:r>
+            <a:r>
+              <a:rPr lang="fr-FR" sz="1600" b="1" dirty="0">
+                <a:solidFill>
+                  <a:schemeClr val="accent5">
+                    <a:lumMod val="50000"/>
+                  </a:schemeClr>
+                </a:solidFill>
+              </a:rPr>
+              <a:t>:</a:t>
+            </a:r>
+            <a:r>
+              <a:rPr lang="fr-FR" sz="1600" dirty="0" smtClean="0"/>
+              <a:t>			</a:t>
+            </a:r>
+            <a:r>
+              <a:rPr lang="fr-FR" sz="1600" dirty="0" smtClean="0">
+                <a:hlinkClick r:id="rId5"/>
+              </a:rPr>
+              <a:t>http</a:t>
+            </a:r>
+            <a:r>
+              <a:rPr lang="fr-FR" sz="1600" dirty="0">
+                <a:hlinkClick r:id="rId5"/>
+              </a:rPr>
+              <a:t>://www.donnees.gouv.qc.ca/?node=/donnees-details&amp;id=42421ff0-9385-4bd1-9d86-</a:t>
+            </a:r>
+            <a:r>
+              <a:rPr lang="fr-FR" sz="1600" dirty="0" smtClean="0">
+                <a:hlinkClick r:id="rId5"/>
+              </a:rPr>
+              <a:t>e39609f3ef9c</a:t>
+            </a:r>
+            <a:r>
+              <a:rPr lang="fr-FR" sz="1600" dirty="0" smtClean="0"/>
+              <a:t> </a:t>
+            </a:r>
+            <a:endParaRPr lang="en-US" sz="1600" dirty="0"/>
+          </a:p>
+          <a:p>
+            <a:endParaRPr lang="en-US" sz="1600" dirty="0"/>
+          </a:p>
+        </p:txBody>
+      </p:sp>
+    </p:spTree>
+    <p:extLst>
+      <p:ext uri="{BB962C8B-B14F-4D97-AF65-F5344CB8AC3E}">
+        <p14:creationId xmlns:p14="http://schemas.microsoft.com/office/powerpoint/2010/main" val="549547744"/>
+      </p:ext>
+    </p:extLst>
+  </p:cSld>
+  <p:clrMapOvr>
+    <a:masterClrMapping/>
+  </p:clrMapOvr>
+</p:sld>
+</file>
+
+<file path=ppt/slides/slide7.xml><?xml version="1.0" encoding="utf-8"?>
+<p:sld xmlns:a="http://schemas.openxmlformats.org/drawingml/2006/main" xmlns:r="http://schemas.openxmlformats.org/officeDocument/2006/relationships" xmlns:p="http://schemas.openxmlformats.org/presentationml/2006/main">
+  <p:cSld>
+    <p:spTree>
+      <p:nvGrpSpPr>
+        <p:cNvPr id="1" name=""/>
+        <p:cNvGrpSpPr/>
+        <p:nvPr/>
+      </p:nvGrpSpPr>
+      <p:grpSpPr>
+        <a:xfrm>
+          <a:off x="0" y="0"/>
+          <a:ext cx="0" cy="0"/>
+          <a:chOff x="0" y="0"/>
+          <a:chExt cx="0" cy="0"/>
+        </a:xfrm>
+      </p:grpSpPr>
+      <p:sp>
+        <p:nvSpPr>
+          <p:cNvPr id="2" name="Title 1"/>
+          <p:cNvSpPr>
+            <a:spLocks noGrp="1"/>
+          </p:cNvSpPr>
+          <p:nvPr>
+            <p:ph type="title"/>
+          </p:nvPr>
+        </p:nvSpPr>
+        <p:spPr/>
+        <p:txBody>
+          <a:bodyPr>
             <a:normAutofit/>
           </a:bodyPr>
           <a:lstStyle/>
           <a:p>
             <a:r>
-              <a:rPr lang="en-US" dirty="0" smtClean="0"/>
+              <a:rPr lang="en-US" dirty="0" smtClean="0">
+                <a:solidFill>
+                  <a:srgbClr val="215968"/>
+                </a:solidFill>
+              </a:rPr>
               <a:t>Documentation </a:t>
             </a:r>
             <a:r>
-              <a:rPr lang="en-US" dirty="0" err="1" smtClean="0"/>
+              <a:rPr lang="en-US" dirty="0" err="1" smtClean="0">
+                <a:solidFill>
+                  <a:srgbClr val="215968"/>
+                </a:solidFill>
+              </a:rPr>
               <a:t>Hackathon</a:t>
             </a:r>
             <a:r>
-              <a:rPr lang="en-US" dirty="0" smtClean="0"/>
+              <a:rPr lang="en-US" dirty="0" smtClean="0">
+                <a:solidFill>
+                  <a:srgbClr val="215968"/>
+                </a:solidFill>
+              </a:rPr>
               <a:t> 2014</a:t>
             </a:r>
-            <a:endParaRPr lang="en-US" dirty="0"/>
+            <a:endParaRPr lang="en-US" dirty="0">
+              <a:solidFill>
+                <a:srgbClr val="215968"/>
+              </a:solidFill>
+            </a:endParaRPr>
           </a:p>
         </p:txBody>
       </p:sp>
@@ -12502,6 +12975,9 @@
           <a:bodyPr/>
           <a:lstStyle/>
           <a:p>
+            <a:pPr marL="0" indent="0">
+              <a:buNone/>
+            </a:pPr>
             <a:r>
               <a:rPr lang="de-DE" dirty="0" smtClean="0"/>
               <a:t>Accessible sur la Forge Inter municipale</a:t>
